--- a/doc/3조-DimensionDriveDownside.pptx
+++ b/doc/3조-DimensionDriveDownside.pptx
@@ -1843,8 +1843,160 @@
             </a:r>
             <a:r>
               <a:rPr lang="en-US" altLang="ko-KR" dirty="0" smtClean="0"/>
-              <a:t>] r1-20120628</a:t>
-            </a:r>
+              <a:t>] </a:t>
+            </a:r>
+            <a:r>
+              <a:rPr lang="en-US" altLang="ko-KR" dirty="0" smtClean="0"/>
+              <a:t>r2-20120629</a:t>
+            </a:r>
+          </a:p>
+          <a:p>
+            <a:r>
+              <a:rPr lang="ko-KR" altLang="en-US" dirty="0" smtClean="0"/>
+              <a:t>기본 구성 요소</a:t>
+            </a:r>
+            <a:r>
+              <a:rPr lang="en-US" altLang="ko-KR" dirty="0" smtClean="0"/>
+              <a:t>: </a:t>
+            </a:r>
+            <a:r>
+              <a:rPr lang="ko-KR" altLang="en-US" dirty="0" smtClean="0"/>
+              <a:t>공간</a:t>
+            </a:r>
+            <a:r>
+              <a:rPr lang="en-US" altLang="ko-KR" dirty="0" smtClean="0"/>
+              <a:t>(</a:t>
+            </a:r>
+            <a:r>
+              <a:rPr lang="ko-KR" altLang="en-US" dirty="0" err="1" smtClean="0"/>
+              <a:t>맵</a:t>
+            </a:r>
+            <a:r>
+              <a:rPr lang="en-US" altLang="ko-KR" dirty="0" smtClean="0"/>
+              <a:t>), </a:t>
+            </a:r>
+            <a:r>
+              <a:rPr lang="ko-KR" altLang="en-US" dirty="0" smtClean="0"/>
+              <a:t>공</a:t>
+            </a:r>
+            <a:r>
+              <a:rPr lang="en-US" altLang="ko-KR" dirty="0" smtClean="0"/>
+              <a:t>, </a:t>
+            </a:r>
+            <a:r>
+              <a:rPr lang="ko-KR" altLang="en-US" dirty="0" smtClean="0"/>
+              <a:t>장애물</a:t>
+            </a:r>
+            <a:endParaRPr lang="en-US" altLang="ko-KR" dirty="0" smtClean="0"/>
+          </a:p>
+          <a:p>
+            <a:r>
+              <a:rPr lang="ko-KR" altLang="en-US" dirty="0" smtClean="0"/>
+              <a:t>공간</a:t>
+            </a:r>
+            <a:r>
+              <a:rPr lang="en-US" altLang="ko-KR" dirty="0" smtClean="0"/>
+              <a:t>: </a:t>
+            </a:r>
+            <a:r>
+              <a:rPr lang="ko-KR" altLang="en-US" dirty="0" smtClean="0"/>
+              <a:t>장애물과 </a:t>
+            </a:r>
+            <a:r>
+              <a:rPr lang="ko-KR" altLang="en-US" dirty="0" err="1" smtClean="0"/>
+              <a:t>유닛</a:t>
+            </a:r>
+            <a:r>
+              <a:rPr lang="ko-KR" altLang="en-US" dirty="0" smtClean="0"/>
+              <a:t> 등이 배치됨</a:t>
+            </a:r>
+            <a:r>
+              <a:rPr lang="en-US" altLang="ko-KR" dirty="0" smtClean="0"/>
+              <a:t>;</a:t>
+            </a:r>
+            <a:r>
+              <a:rPr lang="en-US" altLang="ko-KR" baseline="0" dirty="0" smtClean="0"/>
+              <a:t> </a:t>
+            </a:r>
+            <a:r>
+              <a:rPr lang="ko-KR" altLang="en-US" baseline="0" dirty="0" smtClean="0"/>
+              <a:t>일부만 보임</a:t>
+            </a:r>
+            <a:endParaRPr lang="en-US" altLang="ko-KR" dirty="0" smtClean="0"/>
+          </a:p>
+          <a:p>
+            <a:r>
+              <a:rPr lang="ko-KR" altLang="en-US" dirty="0" smtClean="0"/>
+              <a:t>공</a:t>
+            </a:r>
+            <a:r>
+              <a:rPr lang="en-US" altLang="ko-KR" dirty="0" smtClean="0"/>
+              <a:t>: </a:t>
+            </a:r>
+            <a:r>
+              <a:rPr lang="ko-KR" altLang="en-US" dirty="0" smtClean="0"/>
+              <a:t>플레이 하는 주체</a:t>
+            </a:r>
+            <a:r>
+              <a:rPr lang="en-US" altLang="ko-KR" dirty="0" smtClean="0"/>
+              <a:t>; </a:t>
+            </a:r>
+            <a:r>
+              <a:rPr lang="ko-KR" altLang="en-US" dirty="0" smtClean="0"/>
+              <a:t>질량</a:t>
+            </a:r>
+            <a:r>
+              <a:rPr lang="en-US" altLang="ko-KR" dirty="0" smtClean="0"/>
+              <a:t>,</a:t>
+            </a:r>
+            <a:r>
+              <a:rPr lang="en-US" altLang="ko-KR" baseline="0" dirty="0" smtClean="0"/>
+              <a:t> </a:t>
+            </a:r>
+            <a:r>
+              <a:rPr lang="ko-KR" altLang="en-US" baseline="0" dirty="0" smtClean="0"/>
+              <a:t>크기</a:t>
+            </a:r>
+            <a:r>
+              <a:rPr lang="en-US" altLang="ko-KR" baseline="0" dirty="0" smtClean="0"/>
+              <a:t>,</a:t>
+            </a:r>
+            <a:r>
+              <a:rPr lang="ko-KR" altLang="en-US" baseline="0" dirty="0" smtClean="0"/>
+              <a:t> 재질 같은 속성을 가짐</a:t>
+            </a:r>
+            <a:endParaRPr lang="en-US" altLang="ko-KR" baseline="0" dirty="0" smtClean="0"/>
+          </a:p>
+          <a:p>
+            <a:r>
+              <a:rPr lang="ko-KR" altLang="en-US" baseline="0" dirty="0" smtClean="0"/>
+              <a:t>장애물</a:t>
+            </a:r>
+            <a:r>
+              <a:rPr lang="en-US" altLang="ko-KR" baseline="0" dirty="0" smtClean="0"/>
+              <a:t>: </a:t>
+            </a:r>
+            <a:r>
+              <a:rPr lang="ko-KR" altLang="en-US" baseline="0" dirty="0" smtClean="0"/>
+              <a:t>기본적으로 진행을 방해함</a:t>
+            </a:r>
+            <a:r>
+              <a:rPr lang="en-US" altLang="ko-KR" baseline="0" dirty="0" smtClean="0"/>
+              <a:t>; </a:t>
+            </a:r>
+            <a:r>
+              <a:rPr lang="ko-KR" altLang="en-US" baseline="0" dirty="0" smtClean="0"/>
+              <a:t>직사각형 모양만 가짐</a:t>
+            </a:r>
+            <a:r>
+              <a:rPr lang="en-US" altLang="ko-KR" baseline="0" dirty="0" smtClean="0"/>
+              <a:t>; </a:t>
+            </a:r>
+            <a:r>
+              <a:rPr lang="ko-KR" altLang="en-US" baseline="0" dirty="0" smtClean="0"/>
+              <a:t>일단 재질은 전부 동일</a:t>
+            </a:r>
+            <a:endParaRPr lang="en-US" altLang="ko-KR" dirty="0" smtClean="0"/>
           </a:p>
         </p:txBody>
       </p:sp>
@@ -1936,7 +2088,25 @@
             </a:r>
             <a:r>
               <a:rPr lang="en-US" altLang="ko-KR" dirty="0" smtClean="0"/>
-              <a:t>] r1-20120628</a:t>
+              <a:t>] </a:t>
+            </a:r>
+            <a:r>
+              <a:rPr lang="en-US" altLang="ko-KR" dirty="0" smtClean="0"/>
+              <a:t>r2-20120629</a:t>
+            </a:r>
+          </a:p>
+          <a:p>
+            <a:r>
+              <a:rPr lang="en-US" altLang="ko-KR" baseline="0" dirty="0" smtClean="0"/>
+              <a:t>G</a:t>
+            </a:r>
+            <a:r>
+              <a:rPr lang="ko-KR" altLang="en-US" baseline="0" dirty="0" smtClean="0"/>
+              <a:t>센서를 통해 실질적인 아래 방향을 찾아내야 함</a:t>
+            </a:r>
+            <a:r>
+              <a:rPr lang="en-US" altLang="ko-KR" baseline="0" dirty="0" smtClean="0"/>
+              <a:t>.</a:t>
             </a:r>
             <a:endParaRPr lang="en-US" altLang="ko-KR" baseline="0" dirty="0" smtClean="0"/>
           </a:p>
@@ -2030,7 +2200,32 @@
             </a:r>
             <a:r>
               <a:rPr lang="en-US" altLang="ko-KR" dirty="0" smtClean="0"/>
-              <a:t>] r1-20120628</a:t>
+              <a:t>] </a:t>
+            </a:r>
+            <a:r>
+              <a:rPr lang="en-US" altLang="ko-KR" dirty="0" smtClean="0"/>
+              <a:t>r2-20120629</a:t>
+            </a:r>
+          </a:p>
+          <a:p>
+            <a:r>
+              <a:rPr lang="ko-KR" altLang="en-US" baseline="0" dirty="0" smtClean="0"/>
+              <a:t>공은 화면 가운데에만 있음</a:t>
+            </a:r>
+            <a:r>
+              <a:rPr lang="en-US" altLang="ko-KR" baseline="0" dirty="0" smtClean="0"/>
+              <a:t>; </a:t>
+            </a:r>
+            <a:r>
+              <a:rPr lang="ko-KR" altLang="en-US" baseline="0" dirty="0" smtClean="0"/>
+              <a:t>배경이 스크롤 됨</a:t>
+            </a:r>
+            <a:endParaRPr lang="en-US" altLang="ko-KR" baseline="0" dirty="0" smtClean="0"/>
+          </a:p>
+          <a:p>
+            <a:r>
+              <a:rPr lang="ko-KR" altLang="en-US" baseline="0" dirty="0" smtClean="0"/>
+              <a:t>하지만 자잘한 진동은 공이 움직이는 것도 고려할 수 있음</a:t>
             </a:r>
             <a:endParaRPr lang="en-US" altLang="ko-KR" baseline="0" dirty="0" smtClean="0"/>
           </a:p>
@@ -2124,7 +2319,77 @@
             </a:r>
             <a:r>
               <a:rPr lang="en-US" altLang="ko-KR" dirty="0" smtClean="0"/>
-              <a:t>] r1-20120628</a:t>
+              <a:t>] </a:t>
+            </a:r>
+            <a:r>
+              <a:rPr lang="en-US" altLang="ko-KR" dirty="0" smtClean="0"/>
+              <a:t>r1-20120628</a:t>
+            </a:r>
+          </a:p>
+          <a:p>
+            <a:r>
+              <a:rPr lang="ko-KR" altLang="en-US" baseline="0" dirty="0" smtClean="0"/>
+              <a:t>가장 중요함</a:t>
+            </a:r>
+            <a:r>
+              <a:rPr lang="en-US" altLang="ko-KR" baseline="0" dirty="0" smtClean="0"/>
+              <a:t>; </a:t>
+            </a:r>
+            <a:r>
+              <a:rPr lang="ko-KR" altLang="en-US" baseline="0" dirty="0" smtClean="0"/>
+              <a:t>크게 두 가지 충돌 처리가 있음</a:t>
+            </a:r>
+            <a:endParaRPr lang="en-US" altLang="ko-KR" baseline="0" dirty="0" smtClean="0"/>
+          </a:p>
+          <a:p>
+            <a:pPr marL="228600" indent="-228600">
+              <a:buAutoNum type="arabicParenR"/>
+            </a:pPr>
+            <a:r>
+              <a:rPr lang="ko-KR" altLang="en-US" baseline="0" dirty="0" smtClean="0"/>
+              <a:t>단순 충돌</a:t>
+            </a:r>
+            <a:r>
+              <a:rPr lang="en-US" altLang="ko-KR" baseline="0" dirty="0" smtClean="0"/>
+              <a:t>: </a:t>
+            </a:r>
+            <a:r>
+              <a:rPr lang="ko-KR" altLang="en-US" baseline="0" dirty="0" smtClean="0"/>
+              <a:t>탄성체로서 반사를 처리함</a:t>
+            </a:r>
+            <a:endParaRPr lang="en-US" altLang="ko-KR" baseline="0" dirty="0" smtClean="0"/>
+          </a:p>
+          <a:p>
+            <a:pPr marL="228600" indent="-228600">
+              <a:buAutoNum type="arabicParenR"/>
+            </a:pPr>
+            <a:r>
+              <a:rPr lang="ko-KR" altLang="en-US" baseline="0" dirty="0" smtClean="0"/>
+              <a:t>굴러가기</a:t>
+            </a:r>
+            <a:r>
+              <a:rPr lang="en-US" altLang="ko-KR" baseline="0" dirty="0" smtClean="0"/>
+              <a:t>: </a:t>
+            </a:r>
+            <a:r>
+              <a:rPr lang="ko-KR" altLang="en-US" baseline="0" dirty="0" smtClean="0"/>
+              <a:t>입사각이 </a:t>
+            </a:r>
+            <a:r>
+              <a:rPr lang="en-US" altLang="ko-KR" baseline="0" dirty="0" smtClean="0"/>
+              <a:t>90</a:t>
+            </a:r>
+            <a:r>
+              <a:rPr lang="ko-KR" altLang="en-US" baseline="0" dirty="0" smtClean="0"/>
+              <a:t>도에 가깝다면</a:t>
+            </a:r>
+            <a:r>
+              <a:rPr lang="en-US" altLang="ko-KR" baseline="0" dirty="0" smtClean="0"/>
+              <a:t>, </a:t>
+            </a:r>
+            <a:r>
+              <a:rPr lang="ko-KR" altLang="en-US" baseline="0" dirty="0" smtClean="0"/>
+              <a:t>벽을 따라가야 함</a:t>
             </a:r>
             <a:endParaRPr lang="en-US" altLang="ko-KR" baseline="0" dirty="0" smtClean="0"/>
           </a:p>
@@ -2218,7 +2483,33 @@
             </a:r>
             <a:r>
               <a:rPr lang="en-US" altLang="ko-KR" dirty="0" smtClean="0"/>
-              <a:t>] r1-20120628</a:t>
+              <a:t>] </a:t>
+            </a:r>
+            <a:r>
+              <a:rPr lang="en-US" altLang="ko-KR" dirty="0" smtClean="0"/>
+              <a:t>r2-20120629</a:t>
+            </a:r>
+          </a:p>
+          <a:p>
+            <a:r>
+              <a:rPr lang="ko-KR" altLang="en-US" baseline="0" dirty="0" smtClean="0"/>
+              <a:t>골도 여러 </a:t>
+            </a:r>
+            <a:r>
+              <a:rPr lang="ko-KR" altLang="en-US" baseline="0" dirty="0" err="1" smtClean="0"/>
+              <a:t>유닛</a:t>
+            </a:r>
+            <a:r>
+              <a:rPr lang="ko-KR" altLang="en-US" baseline="0" dirty="0" smtClean="0"/>
+              <a:t> 중 하나</a:t>
+            </a:r>
+            <a:r>
+              <a:rPr lang="en-US" altLang="ko-KR" baseline="0" dirty="0" smtClean="0"/>
+              <a:t>; </a:t>
+            </a:r>
+            <a:r>
+              <a:rPr lang="ko-KR" altLang="en-US" baseline="0" dirty="0" smtClean="0"/>
+              <a:t>스테이지를 종료함</a:t>
             </a:r>
             <a:endParaRPr lang="en-US" altLang="ko-KR" baseline="0" dirty="0" smtClean="0"/>
           </a:p>
@@ -2312,8 +2603,75 @@
             </a:r>
             <a:r>
               <a:rPr lang="en-US" altLang="ko-KR" dirty="0" smtClean="0"/>
-              <a:t>] r1-20120628</a:t>
-            </a:r>
+              <a:t>] </a:t>
+            </a:r>
+            <a:r>
+              <a:rPr lang="en-US" altLang="ko-KR" dirty="0" smtClean="0"/>
+              <a:t>r2-20120629</a:t>
+            </a:r>
+          </a:p>
+          <a:p>
+            <a:r>
+              <a:rPr lang="ko-KR" altLang="en-US" dirty="0" smtClean="0"/>
+              <a:t>공이 갖는 속성</a:t>
+            </a:r>
+            <a:r>
+              <a:rPr lang="en-US" altLang="ko-KR" dirty="0" smtClean="0"/>
+              <a:t>: </a:t>
+            </a:r>
+            <a:r>
+              <a:rPr lang="ko-KR" altLang="en-US" dirty="0" smtClean="0"/>
+              <a:t>탄성계수</a:t>
+            </a:r>
+            <a:r>
+              <a:rPr lang="en-US" altLang="ko-KR" dirty="0" smtClean="0"/>
+              <a:t>(</a:t>
+            </a:r>
+            <a:r>
+              <a:rPr lang="ko-KR" altLang="en-US" dirty="0" smtClean="0"/>
+              <a:t>재질</a:t>
+            </a:r>
+            <a:r>
+              <a:rPr lang="en-US" altLang="ko-KR" dirty="0" smtClean="0"/>
+              <a:t>=</a:t>
+            </a:r>
+            <a:r>
+              <a:rPr lang="ko-KR" altLang="en-US" dirty="0" smtClean="0"/>
+              <a:t>튕길 때 영향</a:t>
+            </a:r>
+            <a:r>
+              <a:rPr lang="en-US" altLang="ko-KR" dirty="0" smtClean="0"/>
+              <a:t>), </a:t>
+            </a:r>
+            <a:r>
+              <a:rPr lang="ko-KR" altLang="en-US" dirty="0" smtClean="0"/>
+              <a:t>크기</a:t>
+            </a:r>
+            <a:r>
+              <a:rPr lang="en-US" altLang="ko-KR" dirty="0" smtClean="0"/>
+              <a:t>(</a:t>
+            </a:r>
+            <a:r>
+              <a:rPr lang="ko-KR" altLang="en-US" dirty="0" smtClean="0"/>
+              <a:t>크기</a:t>
+            </a:r>
+            <a:r>
+              <a:rPr lang="en-US" altLang="ko-KR" dirty="0" smtClean="0"/>
+              <a:t>.), </a:t>
+            </a:r>
+            <a:r>
+              <a:rPr lang="ko-KR" altLang="en-US" dirty="0" smtClean="0"/>
+              <a:t>그에</a:t>
+            </a:r>
+            <a:r>
+              <a:rPr lang="ko-KR" altLang="en-US" baseline="0" dirty="0" smtClean="0"/>
+              <a:t> 따라 부딪히는 소리나 공 모양 등</a:t>
+            </a:r>
+            <a:r>
+              <a:rPr lang="en-US" altLang="ko-KR" baseline="0" dirty="0" smtClean="0"/>
+              <a:t>…</a:t>
+            </a:r>
+            <a:endParaRPr lang="en-US" altLang="ko-KR" dirty="0" smtClean="0"/>
           </a:p>
         </p:txBody>
       </p:sp>
@@ -2404,9 +2762,16 @@
               <a:t>게임 구성</a:t>
             </a:r>
             <a:r>
-              <a:rPr lang="en-US" altLang="ko-KR" dirty="0" smtClean="0"/>
-              <a:t>] r1-20120628</a:t>
-            </a:r>
+              <a:rPr lang="en-US" altLang="ko-KR" smtClean="0"/>
+              <a:t>] </a:t>
+            </a:r>
+            <a:r>
+              <a:rPr lang="en-US" altLang="ko-KR" smtClean="0"/>
+              <a:t>r2-20120629</a:t>
+            </a:r>
+          </a:p>
+          <a:p>
+            <a:endParaRPr lang="en-US" altLang="ko-KR" dirty="0" smtClean="0"/>
           </a:p>
         </p:txBody>
       </p:sp>
@@ -5727,7 +6092,7 @@
           <a:p>
             <a:r>
               <a:rPr lang="en-US" altLang="ko-KR" dirty="0" smtClean="0"/>
-              <a:t>r1-20120628</a:t>
+              <a:t>head=r1-20120628</a:t>
             </a:r>
             <a:endParaRPr lang="ko-KR" altLang="en-US" dirty="0"/>
           </a:p>
@@ -6017,7 +6382,7 @@
           <a:p>
             <a:r>
               <a:rPr lang="en-US" altLang="ko-KR" dirty="0" smtClean="0"/>
-              <a:t>r1-20120628</a:t>
+              <a:t>r2-20120629</a:t>
             </a:r>
             <a:endParaRPr lang="ko-KR" altLang="en-US" dirty="0"/>
           </a:p>
@@ -6862,7 +7227,7 @@
                                 </p:cTn>
                               </p:par>
                               <p:par>
-                                <p:cTn id="8" presetID="47" presetClass="entr" presetSubtype="0" fill="hold" grpId="0" nodeType="withEffect">
+                                <p:cTn id="8" presetID="47" presetClass="entr" presetSubtype="0" fill="hold" nodeType="withEffect">
                                   <p:stCondLst>
                                     <p:cond delay="0"/>
                                   </p:stCondLst>
@@ -7522,7 +7887,7 @@
                                 </p:cTn>
                               </p:par>
                               <p:par>
-                                <p:cTn id="57" presetID="51" presetClass="path" presetSubtype="0" accel="50000" decel="50000" fill="hold" grpId="1" nodeType="withEffect">
+                                <p:cTn id="57" presetID="51" presetClass="path" presetSubtype="0" accel="50000" decel="50000" fill="hold" nodeType="withEffect">
                                   <p:stCondLst>
                                     <p:cond delay="300"/>
                                   </p:stCondLst>
@@ -7543,7 +7908,7 @@
                                 </p:cTn>
                               </p:par>
                               <p:par>
-                                <p:cTn id="59" presetID="8" presetClass="emph" presetSubtype="0" fill="hold" grpId="2" nodeType="withEffect">
+                                <p:cTn id="59" presetID="8" presetClass="emph" presetSubtype="0" fill="hold" nodeType="withEffect">
                                   <p:stCondLst>
                                     <p:cond delay="300"/>
                                   </p:stCondLst>
@@ -10011,15 +10376,7 @@
                   <a:schemeClr val="tx2"/>
                 </a:solidFill>
               </a:rPr>
-              <a:t>Unit </a:t>
-            </a:r>
-            <a:r>
-              <a:rPr lang="en-US" altLang="ko-KR" sz="2000" dirty="0" smtClean="0">
-                <a:solidFill>
-                  <a:schemeClr val="tx2"/>
-                </a:solidFill>
-              </a:rPr>
-              <a:t>Logic</a:t>
+              <a:t>Unit Logic</a:t>
             </a:r>
           </a:p>
           <a:p>
@@ -10116,20 +10473,6 @@
               </a:rPr>
               <a:t>Stage Generator</a:t>
             </a:r>
-            <a:endParaRPr kumimoji="0" lang="en-US" altLang="ko-KR" sz="2000" b="0" i="0" u="none" strike="noStrike" kern="1200" cap="none" spc="0" normalizeH="0" noProof="0" dirty="0" smtClean="0">
-              <a:ln>
-                <a:noFill/>
-              </a:ln>
-              <a:solidFill>
-                <a:schemeClr val="tx2"/>
-              </a:solidFill>
-              <a:effectLst/>
-              <a:uLnTx/>
-              <a:uFillTx/>
-              <a:latin typeface="+mn-lt"/>
-              <a:ea typeface="+mn-ea"/>
-              <a:cs typeface="+mn-cs"/>
-            </a:endParaRPr>
           </a:p>
           <a:p>
             <a:pPr marL="342900" marR="0" lvl="0" indent="-342900" algn="l" defTabSz="914400" rtl="0" eaLnBrk="1" fontAlgn="auto" latinLnBrk="1" hangingPunct="1">
@@ -10197,20 +10540,6 @@
               </a:rPr>
               <a:t>Particle Processing</a:t>
             </a:r>
-            <a:endParaRPr kumimoji="0" lang="en-US" altLang="ko-KR" sz="2000" b="0" i="0" u="none" strike="noStrike" kern="1200" cap="none" spc="0" normalizeH="0" baseline="0" noProof="0" dirty="0" smtClean="0">
-              <a:ln>
-                <a:noFill/>
-              </a:ln>
-              <a:solidFill>
-                <a:schemeClr val="tx2"/>
-              </a:solidFill>
-              <a:effectLst/>
-              <a:uLnTx/>
-              <a:uFillTx/>
-              <a:latin typeface="+mn-lt"/>
-              <a:ea typeface="+mn-ea"/>
-              <a:cs typeface="+mn-cs"/>
-            </a:endParaRPr>
           </a:p>
         </p:txBody>
       </p:sp>
@@ -13178,11 +13507,7 @@
           <a:p>
             <a:r>
               <a:rPr lang="ko-KR" altLang="en-US" dirty="0" smtClean="0"/>
-              <a:t>개발 </a:t>
-            </a:r>
-            <a:r>
-              <a:rPr lang="ko-KR" altLang="en-US" dirty="0" smtClean="0"/>
-              <a:t>방법</a:t>
+              <a:t>개발 방법</a:t>
             </a:r>
             <a:endParaRPr lang="ko-KR" altLang="en-US" dirty="0"/>
           </a:p>
@@ -14152,15 +14477,7 @@
               <a:pPr lvl="1"/>
               <a:r>
                 <a:rPr lang="ko-KR" altLang="en-US" sz="2400" dirty="0" smtClean="0"/>
-                <a:t>일</a:t>
-              </a:r>
-              <a:r>
-                <a:rPr lang="ko-KR" altLang="en-US" sz="2400" dirty="0" smtClean="0"/>
-                <a:t>정 </a:t>
-              </a:r>
-              <a:r>
-                <a:rPr lang="ko-KR" altLang="en-US" sz="2400" dirty="0" smtClean="0"/>
-                <a:t>내에 만들 수 있을까</a:t>
+                <a:t>일정 내에 만들 수 있을까</a:t>
               </a:r>
               <a:r>
                 <a:rPr lang="en-US" altLang="ko-KR" sz="2400" dirty="0" smtClean="0"/>
@@ -14288,35 +14605,7 @@
                   </a:outerShdw>
                 </a:effectLst>
               </a:rPr>
-              <a:t>언</a:t>
-            </a:r>
-            <a:r>
-              <a:rPr lang="ko-KR" altLang="en-US" dirty="0" smtClean="0">
-                <a:effectLst>
-                  <a:outerShdw blurRad="50800" dist="38100" dir="5400000" algn="t" rotWithShape="0">
-                    <a:schemeClr val="tx1">
-                      <a:lumMod val="50000"/>
-                      <a:lumOff val="50000"/>
-                      <a:alpha val="40000"/>
-                    </a:schemeClr>
-                  </a:outerShdw>
-                </a:effectLst>
-              </a:rPr>
-              <a:t>뜻 </a:t>
-            </a:r>
-            <a:r>
-              <a:rPr lang="ko-KR" altLang="en-US" dirty="0" smtClean="0">
-                <a:effectLst>
-                  <a:outerShdw blurRad="50800" dist="38100" dir="5400000" algn="t" rotWithShape="0">
-                    <a:schemeClr val="tx1">
-                      <a:lumMod val="50000"/>
-                      <a:lumOff val="50000"/>
-                      <a:alpha val="40000"/>
-                    </a:schemeClr>
-                  </a:outerShdw>
-                </a:effectLst>
-              </a:rPr>
-              <a:t>복잡해 보이고 언급한 요소를 모두 만들기는</a:t>
+              <a:t>언뜻 복잡해 보이고 언급한 요소를 모두 만들기는</a:t>
             </a:r>
             <a:endParaRPr lang="en-US" altLang="ko-KR" dirty="0" smtClean="0">
               <a:effectLst>
@@ -14541,8 +14830,21 @@
                   </a:outerShdw>
                 </a:effectLst>
               </a:rPr>
-              <a:t>비슷하</a:t>
-            </a:r>
+              <a:t>비슷하게 공을 굴려서 하는 다른 게임이</a:t>
+            </a:r>
+            <a:endParaRPr lang="en-US" altLang="ko-KR" dirty="0" smtClean="0">
+              <a:effectLst>
+                <a:outerShdw blurRad="50800" dist="38100" dir="5400000" algn="t" rotWithShape="0">
+                  <a:schemeClr val="tx1">
+                    <a:lumMod val="50000"/>
+                    <a:lumOff val="50000"/>
+                    <a:alpha val="40000"/>
+                  </a:schemeClr>
+                </a:outerShdw>
+              </a:effectLst>
+            </a:endParaRPr>
+          </a:p>
+          <a:p>
             <a:r>
               <a:rPr lang="ko-KR" altLang="en-US" dirty="0" smtClean="0">
                 <a:effectLst>
@@ -14555,104 +14857,7 @@
                   </a:outerShdw>
                 </a:effectLst>
               </a:rPr>
-              <a:t>게 </a:t>
-            </a:r>
-            <a:r>
-              <a:rPr lang="ko-KR" altLang="en-US" dirty="0" smtClean="0">
-                <a:effectLst>
-                  <a:outerShdw blurRad="50800" dist="38100" dir="5400000" algn="t" rotWithShape="0">
-                    <a:schemeClr val="tx1">
-                      <a:lumMod val="50000"/>
-                      <a:lumOff val="50000"/>
-                      <a:alpha val="40000"/>
-                    </a:schemeClr>
-                  </a:outerShdw>
-                </a:effectLst>
-              </a:rPr>
-              <a:t>공을 굴려서 하는 다른 게임이</a:t>
-            </a:r>
-            <a:endParaRPr lang="en-US" altLang="ko-KR" dirty="0" smtClean="0">
-              <a:effectLst>
-                <a:outerShdw blurRad="50800" dist="38100" dir="5400000" algn="t" rotWithShape="0">
-                  <a:schemeClr val="tx1">
-                    <a:lumMod val="50000"/>
-                    <a:lumOff val="50000"/>
-                    <a:alpha val="40000"/>
-                  </a:schemeClr>
-                </a:outerShdw>
-              </a:effectLst>
-            </a:endParaRPr>
-          </a:p>
-          <a:p>
-            <a:r>
-              <a:rPr lang="ko-KR" altLang="en-US" dirty="0" smtClean="0">
-                <a:effectLst>
-                  <a:outerShdw blurRad="50800" dist="38100" dir="5400000" algn="t" rotWithShape="0">
-                    <a:schemeClr val="tx1">
-                      <a:lumMod val="50000"/>
-                      <a:lumOff val="50000"/>
-                      <a:alpha val="40000"/>
-                    </a:schemeClr>
-                  </a:outerShdw>
-                </a:effectLst>
-              </a:rPr>
-              <a:t>이</a:t>
-            </a:r>
-            <a:r>
-              <a:rPr lang="ko-KR" altLang="en-US" dirty="0" smtClean="0">
-                <a:effectLst>
-                  <a:outerShdw blurRad="50800" dist="38100" dir="5400000" algn="t" rotWithShape="0">
-                    <a:schemeClr val="tx1">
-                      <a:lumMod val="50000"/>
-                      <a:lumOff val="50000"/>
-                      <a:alpha val="40000"/>
-                    </a:schemeClr>
-                  </a:outerShdw>
-                </a:effectLst>
-              </a:rPr>
-              <a:t>미 </a:t>
-            </a:r>
-            <a:r>
-              <a:rPr lang="ko-KR" altLang="en-US" dirty="0" smtClean="0">
-                <a:effectLst>
-                  <a:outerShdw blurRad="50800" dist="38100" dir="5400000" algn="t" rotWithShape="0">
-                    <a:schemeClr val="tx1">
-                      <a:lumMod val="50000"/>
-                      <a:lumOff val="50000"/>
-                      <a:alpha val="40000"/>
-                    </a:schemeClr>
-                  </a:outerShdw>
-                </a:effectLst>
-              </a:rPr>
-              <a:t>마켓</a:t>
-            </a:r>
-            <a:r>
-              <a:rPr lang="ko-KR" altLang="en-US" dirty="0" smtClean="0">
-                <a:effectLst>
-                  <a:outerShdw blurRad="50800" dist="38100" dir="5400000" algn="t" rotWithShape="0">
-                    <a:schemeClr val="tx1">
-                      <a:lumMod val="50000"/>
-                      <a:lumOff val="50000"/>
-                      <a:alpha val="40000"/>
-                    </a:schemeClr>
-                  </a:outerShdw>
-                </a:effectLst>
-              </a:rPr>
-              <a:t>에 </a:t>
-            </a:r>
-            <a:r>
-              <a:rPr lang="ko-KR" altLang="en-US" dirty="0" smtClean="0">
-                <a:effectLst>
-                  <a:outerShdw blurRad="50800" dist="38100" dir="5400000" algn="t" rotWithShape="0">
-                    <a:schemeClr val="tx1">
-                      <a:lumMod val="50000"/>
-                      <a:lumOff val="50000"/>
-                      <a:alpha val="40000"/>
-                    </a:schemeClr>
-                  </a:outerShdw>
-                </a:effectLst>
-              </a:rPr>
-              <a:t>올라와 있지 않나</a:t>
+              <a:t>이미 마켓에 올라와 있지 않나</a:t>
             </a:r>
             <a:endParaRPr lang="ko-KR" altLang="en-US" dirty="0">
               <a:effectLst>
@@ -14905,35 +15110,7 @@
                   </a:outerShdw>
                 </a:effectLst>
               </a:rPr>
-              <a:t>화면</a:t>
-            </a:r>
-            <a:r>
-              <a:rPr lang="ko-KR" altLang="en-US" dirty="0" smtClean="0">
-                <a:effectLst>
-                  <a:outerShdw blurRad="50800" dist="38100" dir="5400000" algn="t" rotWithShape="0">
-                    <a:schemeClr val="tx1">
-                      <a:lumMod val="50000"/>
-                      <a:lumOff val="50000"/>
-                      <a:alpha val="40000"/>
-                    </a:schemeClr>
-                  </a:outerShdw>
-                </a:effectLst>
-              </a:rPr>
-              <a:t>을 </a:t>
-            </a:r>
-            <a:r>
-              <a:rPr lang="ko-KR" altLang="en-US" dirty="0" smtClean="0">
-                <a:effectLst>
-                  <a:outerShdw blurRad="50800" dist="38100" dir="5400000" algn="t" rotWithShape="0">
-                    <a:schemeClr val="tx1">
-                      <a:lumMod val="50000"/>
-                      <a:lumOff val="50000"/>
-                      <a:alpha val="40000"/>
-                    </a:schemeClr>
-                  </a:outerShdw>
-                </a:effectLst>
-              </a:rPr>
-              <a:t>만들면 여러 기기에서 테스트 해야 하지 않나</a:t>
+              <a:t>화면을 만들면 여러 기기에서 테스트 해야 하지 않나</a:t>
             </a:r>
             <a:endParaRPr lang="ko-KR" altLang="en-US" dirty="0">
               <a:effectLst>
@@ -15515,49 +15692,7 @@
                   </a:outerShdw>
                 </a:effectLst>
               </a:rPr>
-              <a:t> </a:t>
-            </a:r>
-            <a:r>
-              <a:rPr lang="ko-KR" altLang="en-US" dirty="0" smtClean="0">
-                <a:effectLst>
-                  <a:outerShdw blurRad="50800" dist="38100" dir="5400000" algn="t" rotWithShape="0">
-                    <a:schemeClr val="tx1">
-                      <a:lumMod val="50000"/>
-                      <a:lumOff val="50000"/>
-                      <a:alpha val="40000"/>
-                    </a:schemeClr>
-                  </a:outerShdw>
-                </a:effectLst>
-              </a:rPr>
-              <a:t>거</a:t>
-            </a:r>
-            <a:r>
-              <a:rPr lang="ko-KR" altLang="en-US" dirty="0" smtClean="0">
-                <a:effectLst>
-                  <a:outerShdw blurRad="50800" dist="38100" dir="5400000" algn="t" rotWithShape="0">
-                    <a:schemeClr val="tx1">
-                      <a:lumMod val="50000"/>
-                      <a:lumOff val="50000"/>
-                      <a:alpha val="40000"/>
-                    </a:schemeClr>
-                  </a:outerShdw>
-                </a:effectLst>
-              </a:rPr>
-              <a:t>의 </a:t>
-            </a:r>
-            <a:r>
-              <a:rPr lang="ko-KR" altLang="en-US" dirty="0" smtClean="0">
-                <a:effectLst>
-                  <a:outerShdw blurRad="50800" dist="38100" dir="5400000" algn="t" rotWithShape="0">
-                    <a:schemeClr val="tx1">
-                      <a:lumMod val="50000"/>
-                      <a:lumOff val="50000"/>
-                      <a:alpha val="40000"/>
-                    </a:schemeClr>
-                  </a:outerShdw>
-                </a:effectLst>
-              </a:rPr>
-              <a:t>비슷한 것이 있지만 기울여서 굴러가게 함</a:t>
+              <a:t> 거의 비슷한 것이 있지만 기울여서 굴러가게 함</a:t>
             </a:r>
             <a:endParaRPr lang="en-US" altLang="ko-KR" dirty="0" smtClean="0">
               <a:effectLst>
@@ -15603,35 +15738,7 @@
                   </a:outerShdw>
                 </a:effectLst>
               </a:rPr>
-              <a:t>공간적</a:t>
-            </a:r>
-            <a:r>
-              <a:rPr lang="ko-KR" altLang="en-US" dirty="0" smtClean="0">
-                <a:effectLst>
-                  <a:outerShdw blurRad="50800" dist="38100" dir="5400000" algn="t" rotWithShape="0">
-                    <a:schemeClr val="tx1">
-                      <a:lumMod val="50000"/>
-                      <a:lumOff val="50000"/>
-                      <a:alpha val="40000"/>
-                    </a:schemeClr>
-                  </a:outerShdw>
-                </a:effectLst>
-              </a:rPr>
-              <a:t>인 </a:t>
-            </a:r>
-            <a:r>
-              <a:rPr lang="ko-KR" altLang="en-US" dirty="0" smtClean="0">
-                <a:effectLst>
-                  <a:outerShdw blurRad="50800" dist="38100" dir="5400000" algn="t" rotWithShape="0">
-                    <a:schemeClr val="tx1">
-                      <a:lumMod val="50000"/>
-                      <a:lumOff val="50000"/>
-                      <a:alpha val="40000"/>
-                    </a:schemeClr>
-                  </a:outerShdw>
-                </a:effectLst>
-              </a:rPr>
-              <a:t>개념과 등장하는 </a:t>
+              <a:t>공간적인 개념과 등장하는 </a:t>
             </a:r>
             <a:r>
               <a:rPr lang="en-US" altLang="ko-KR" dirty="0" smtClean="0">
@@ -15860,49 +15967,7 @@
                   </a:outerShdw>
                 </a:effectLst>
               </a:rPr>
-              <a:t> </a:t>
-            </a:r>
-            <a:r>
-              <a:rPr lang="ko-KR" altLang="en-US" dirty="0" smtClean="0">
-                <a:effectLst>
-                  <a:outerShdw blurRad="50800" dist="38100" dir="5400000" algn="t" rotWithShape="0">
-                    <a:schemeClr val="tx1">
-                      <a:lumMod val="50000"/>
-                      <a:lumOff val="50000"/>
-                      <a:alpha val="40000"/>
-                    </a:schemeClr>
-                  </a:outerShdw>
-                </a:effectLst>
-              </a:rPr>
-              <a:t>지인에</a:t>
-            </a:r>
-            <a:r>
-              <a:rPr lang="ko-KR" altLang="en-US" dirty="0" smtClean="0">
-                <a:effectLst>
-                  <a:outerShdw blurRad="50800" dist="38100" dir="5400000" algn="t" rotWithShape="0">
-                    <a:schemeClr val="tx1">
-                      <a:lumMod val="50000"/>
-                      <a:lumOff val="50000"/>
-                      <a:alpha val="40000"/>
-                    </a:schemeClr>
-                  </a:outerShdw>
-                </a:effectLst>
-              </a:rPr>
-              <a:t>게 </a:t>
-            </a:r>
-            <a:r>
-              <a:rPr lang="ko-KR" altLang="en-US" dirty="0" smtClean="0">
-                <a:effectLst>
-                  <a:outerShdw blurRad="50800" dist="38100" dir="5400000" algn="t" rotWithShape="0">
-                    <a:schemeClr val="tx1">
-                      <a:lumMod val="50000"/>
-                      <a:lumOff val="50000"/>
-                      <a:alpha val="40000"/>
-                    </a:schemeClr>
-                  </a:outerShdw>
-                </a:effectLst>
-              </a:rPr>
-              <a:t>테스트 참여 부탁</a:t>
+              <a:t> 지인에게 테스트 참여 부탁</a:t>
             </a:r>
             <a:endParaRPr lang="en-US" altLang="ko-KR" dirty="0" smtClean="0">
               <a:effectLst>
@@ -16146,15 +16211,7 @@
           <a:p>
             <a:r>
               <a:rPr lang="ko-KR" altLang="en-US" sz="4000" dirty="0" smtClean="0"/>
-              <a:t>게임</a:t>
-            </a:r>
-            <a:r>
-              <a:rPr lang="ko-KR" altLang="en-US" sz="4000" dirty="0" smtClean="0"/>
-              <a:t> </a:t>
-            </a:r>
-            <a:r>
-              <a:rPr lang="ko-KR" altLang="en-US" sz="4000" dirty="0" smtClean="0"/>
-              <a:t>소개 </a:t>
+              <a:t>게임 소개 </a:t>
             </a:r>
             <a:r>
               <a:rPr lang="en-US" altLang="ko-KR" sz="2400" dirty="0" smtClean="0"/>
@@ -16184,11 +16241,7 @@
           <a:p>
             <a:r>
               <a:rPr lang="ko-KR" altLang="en-US" sz="4000" dirty="0" smtClean="0"/>
-              <a:t>역할 </a:t>
-            </a:r>
-            <a:r>
-              <a:rPr lang="ko-KR" altLang="en-US" sz="4000" dirty="0" smtClean="0"/>
-              <a:t>및 일정 </a:t>
+              <a:t>역할 및 일정 </a:t>
             </a:r>
             <a:r>
               <a:rPr lang="en-US" altLang="ko-KR" sz="2400" dirty="0" smtClean="0"/>
@@ -16203,11 +16256,7 @@
           <a:p>
             <a:r>
               <a:rPr lang="ko-KR" altLang="en-US" sz="4000" dirty="0" smtClean="0"/>
-              <a:t>개발 </a:t>
-            </a:r>
-            <a:r>
-              <a:rPr lang="ko-KR" altLang="en-US" sz="4000" dirty="0" smtClean="0"/>
-              <a:t>방법</a:t>
+              <a:t>개발 방법</a:t>
             </a:r>
             <a:endParaRPr lang="en-US" altLang="ko-KR" sz="4000" dirty="0" smtClean="0"/>
           </a:p>
@@ -16372,7 +16421,7 @@
           <a:p>
             <a:r>
               <a:rPr lang="en-US" altLang="ko-KR" dirty="0" smtClean="0"/>
-              <a:t>r1-20120628</a:t>
+              <a:t>r2-20120629</a:t>
             </a:r>
             <a:endParaRPr lang="ko-KR" altLang="en-US" dirty="0"/>
           </a:p>
@@ -17663,7 +17712,7 @@
           <a:p>
             <a:r>
               <a:rPr lang="en-US" altLang="ko-KR" dirty="0" smtClean="0"/>
-              <a:t>r1-20120628</a:t>
+              <a:t>r2-20120629</a:t>
             </a:r>
             <a:endParaRPr lang="ko-KR" altLang="en-US" dirty="0"/>
           </a:p>
@@ -18985,7 +19034,7 @@
           <a:p>
             <a:r>
               <a:rPr lang="en-US" altLang="ko-KR" dirty="0" smtClean="0"/>
-              <a:t>r1-20120628</a:t>
+              <a:t>r2-20120629</a:t>
             </a:r>
             <a:endParaRPr lang="ko-KR" altLang="en-US" dirty="0"/>
           </a:p>
@@ -22048,7 +22097,7 @@
           <a:p>
             <a:r>
               <a:rPr lang="en-US" altLang="ko-KR" dirty="0" smtClean="0"/>
-              <a:t>r1-20120628</a:t>
+              <a:t>r2-20120629</a:t>
             </a:r>
             <a:endParaRPr lang="ko-KR" altLang="en-US" dirty="0"/>
           </a:p>
@@ -23395,7 +23444,7 @@
           <a:p>
             <a:r>
               <a:rPr lang="en-US" altLang="ko-KR" dirty="0" smtClean="0"/>
-              <a:t>r1-20120628</a:t>
+              <a:t>r2-20120629</a:t>
             </a:r>
             <a:endParaRPr lang="ko-KR" altLang="en-US" dirty="0"/>
           </a:p>
